--- a/FAIRyTale_presentation.pptx
+++ b/FAIRyTale_presentation.pptx
@@ -6,12 +6,15 @@
   </p:sldMasterIdLst>
   <p:sldIdLst>
     <p:sldId id="256" r:id="rId2"/>
-    <p:sldId id="257" r:id="rId3"/>
-    <p:sldId id="261" r:id="rId4"/>
+    <p:sldId id="262" r:id="rId3"/>
+    <p:sldId id="257" r:id="rId4"/>
     <p:sldId id="259" r:id="rId5"/>
-    <p:sldId id="258" r:id="rId6"/>
-    <p:sldId id="260" r:id="rId7"/>
-    <p:sldId id="262" r:id="rId8"/>
+    <p:sldId id="261" r:id="rId6"/>
+    <p:sldId id="263" r:id="rId7"/>
+    <p:sldId id="264" r:id="rId8"/>
+    <p:sldId id="258" r:id="rId9"/>
+    <p:sldId id="260" r:id="rId10"/>
+    <p:sldId id="265" r:id="rId11"/>
   </p:sldIdLst>
   <p:sldSz cx="12192000" cy="6858000"/>
   <p:notesSz cx="6858000" cy="9144000"/>
@@ -274,7 +277,7 @@
           <a:p>
             <a:fld id="{6444479B-705B-4489-957E-7E8A228BDFA0}" type="datetime1">
               <a:rPr lang="en-US" smtClean="0"/>
-              <a:t>8/6/2025</a:t>
+              <a:t>8/5/25</a:t>
             </a:fld>
             <a:endParaRPr lang="en-US"/>
           </a:p>
@@ -328,7 +331,7 @@
           <a:p>
             <a:fld id="{70C12960-6E85-460F-B6E3-5B82CB31AF3D}" type="slidenum">
               <a:rPr lang="en-US" smtClean="0"/>
-              <a:t>‹Nº›</a:t>
+              <a:t>‹#›</a:t>
             </a:fld>
             <a:endParaRPr lang="en-US"/>
           </a:p>
@@ -474,7 +477,7 @@
           <a:p>
             <a:fld id="{C07B66AD-7C08-490A-ADA4-B47E10FB2407}" type="datetime1">
               <a:rPr lang="en-US" smtClean="0"/>
-              <a:t>8/6/2025</a:t>
+              <a:t>8/5/25</a:t>
             </a:fld>
             <a:endParaRPr lang="en-US"/>
           </a:p>
@@ -528,7 +531,7 @@
           <a:p>
             <a:fld id="{70C12960-6E85-460F-B6E3-5B82CB31AF3D}" type="slidenum">
               <a:rPr lang="en-US" smtClean="0"/>
-              <a:t>‹Nº›</a:t>
+              <a:t>‹#›</a:t>
             </a:fld>
             <a:endParaRPr lang="en-US"/>
           </a:p>
@@ -733,7 +736,7 @@
           <a:p>
             <a:fld id="{05B95027-4255-49E7-9841-CD21BCC99996}" type="datetime1">
               <a:rPr lang="en-US" smtClean="0"/>
-              <a:t>8/6/2025</a:t>
+              <a:t>8/5/25</a:t>
             </a:fld>
             <a:endParaRPr lang="en-US"/>
           </a:p>
@@ -787,7 +790,7 @@
           <a:p>
             <a:fld id="{70C12960-6E85-460F-B6E3-5B82CB31AF3D}" type="slidenum">
               <a:rPr lang="en-US" smtClean="0"/>
-              <a:t>‹Nº›</a:t>
+              <a:t>‹#›</a:t>
             </a:fld>
             <a:endParaRPr lang="en-US"/>
           </a:p>
@@ -974,7 +977,7 @@
           <a:p>
             <a:fld id="{9F89F774-3FA6-43B8-9241-99959C8FD463}" type="datetime1">
               <a:rPr lang="en-US" smtClean="0"/>
-              <a:t>8/6/2025</a:t>
+              <a:t>8/5/25</a:t>
             </a:fld>
             <a:endParaRPr lang="en-US"/>
           </a:p>
@@ -1028,7 +1031,7 @@
           <a:p>
             <a:fld id="{70C12960-6E85-460F-B6E3-5B82CB31AF3D}" type="slidenum">
               <a:rPr lang="en-US" smtClean="0"/>
-              <a:t>‹Nº›</a:t>
+              <a:t>‹#›</a:t>
             </a:fld>
             <a:endParaRPr lang="en-US"/>
           </a:p>
@@ -1301,7 +1304,7 @@
           <a:p>
             <a:fld id="{F9504452-5DCC-4FE2-A5C9-8A5EF6714D65}" type="datetime1">
               <a:rPr lang="en-US" smtClean="0"/>
-              <a:t>8/6/2025</a:t>
+              <a:t>8/5/25</a:t>
             </a:fld>
             <a:endParaRPr lang="en-US"/>
           </a:p>
@@ -1355,7 +1358,7 @@
           <a:p>
             <a:fld id="{70C12960-6E85-460F-B6E3-5B82CB31AF3D}" type="slidenum">
               <a:rPr lang="en-US" smtClean="0"/>
-              <a:t>‹Nº›</a:t>
+              <a:t>‹#›</a:t>
             </a:fld>
             <a:endParaRPr lang="en-US"/>
           </a:p>
@@ -1611,7 +1614,7 @@
           <a:p>
             <a:fld id="{E579ABC2-0180-4F3A-A895-A85BC724D472}" type="datetime1">
               <a:rPr lang="en-US" smtClean="0"/>
-              <a:t>8/6/2025</a:t>
+              <a:t>8/5/25</a:t>
             </a:fld>
             <a:endParaRPr lang="en-US"/>
           </a:p>
@@ -1665,7 +1668,7 @@
           <a:p>
             <a:fld id="{70C12960-6E85-460F-B6E3-5B82CB31AF3D}" type="slidenum">
               <a:rPr lang="en-US" smtClean="0"/>
-              <a:t>‹Nº›</a:t>
+              <a:t>‹#›</a:t>
             </a:fld>
             <a:endParaRPr lang="en-US"/>
           </a:p>
@@ -2029,7 +2032,7 @@
           <a:p>
             <a:fld id="{6AEEA9BA-4E8F-439E-BEA4-91FBA01E3F5F}" type="datetime1">
               <a:rPr lang="en-US" smtClean="0"/>
-              <a:t>8/6/2025</a:t>
+              <a:t>8/5/25</a:t>
             </a:fld>
             <a:endParaRPr lang="en-US"/>
           </a:p>
@@ -2083,7 +2086,7 @@
           <a:p>
             <a:fld id="{70C12960-6E85-460F-B6E3-5B82CB31AF3D}" type="slidenum">
               <a:rPr lang="en-US" smtClean="0"/>
-              <a:t>‹Nº›</a:t>
+              <a:t>‹#›</a:t>
             </a:fld>
             <a:endParaRPr lang="en-US"/>
           </a:p>
@@ -2171,7 +2174,7 @@
           <a:p>
             <a:fld id="{BE15BF18-0007-481C-AA29-413124BC3EE7}" type="datetime1">
               <a:rPr lang="en-US" smtClean="0"/>
-              <a:t>8/6/2025</a:t>
+              <a:t>8/5/25</a:t>
             </a:fld>
             <a:endParaRPr lang="en-US"/>
           </a:p>
@@ -2225,7 +2228,7 @@
           <a:p>
             <a:fld id="{70C12960-6E85-460F-B6E3-5B82CB31AF3D}" type="slidenum">
               <a:rPr lang="en-US" smtClean="0"/>
-              <a:t>‹Nº›</a:t>
+              <a:t>‹#›</a:t>
             </a:fld>
             <a:endParaRPr lang="en-US"/>
           </a:p>
@@ -2333,7 +2336,7 @@
           <a:p>
             <a:fld id="{09BE9870-3748-43AD-B547-02A075CB4A1D}" type="datetime1">
               <a:rPr lang="en-US" smtClean="0"/>
-              <a:t>8/6/2025</a:t>
+              <a:t>8/5/25</a:t>
             </a:fld>
             <a:endParaRPr lang="en-US"/>
           </a:p>
@@ -2387,7 +2390,7 @@
           <a:p>
             <a:fld id="{70C12960-6E85-460F-B6E3-5B82CB31AF3D}" type="slidenum">
               <a:rPr lang="en-US" smtClean="0"/>
-              <a:t>‹Nº›</a:t>
+              <a:t>‹#›</a:t>
             </a:fld>
             <a:endParaRPr lang="en-US"/>
           </a:p>
@@ -2650,7 +2653,7 @@
           <a:p>
             <a:fld id="{558E7897-33C5-4F1A-9307-D068E37F3DC7}" type="datetime1">
               <a:rPr lang="en-US" smtClean="0"/>
-              <a:t>8/6/2025</a:t>
+              <a:t>8/5/25</a:t>
             </a:fld>
             <a:endParaRPr lang="en-US"/>
           </a:p>
@@ -2704,7 +2707,7 @@
           <a:p>
             <a:fld id="{70C12960-6E85-460F-B6E3-5B82CB31AF3D}" type="slidenum">
               <a:rPr lang="en-US" smtClean="0"/>
-              <a:t>‹Nº›</a:t>
+              <a:t>‹#›</a:t>
             </a:fld>
             <a:endParaRPr lang="en-US"/>
           </a:p>
@@ -2945,7 +2948,7 @@
           <a:p>
             <a:fld id="{82E171BA-CC09-47C8-A6DF-F5C5CB59CEEC}" type="datetime1">
               <a:rPr lang="en-US" smtClean="0"/>
-              <a:t>8/6/2025</a:t>
+              <a:t>8/5/25</a:t>
             </a:fld>
             <a:endParaRPr lang="en-US"/>
           </a:p>
@@ -2999,7 +3002,7 @@
           <a:p>
             <a:fld id="{70C12960-6E85-460F-B6E3-5B82CB31AF3D}" type="slidenum">
               <a:rPr lang="en-US" smtClean="0"/>
-              <a:t>‹Nº›</a:t>
+              <a:t>‹#›</a:t>
             </a:fld>
             <a:endParaRPr lang="en-US"/>
           </a:p>
@@ -3186,7 +3189,7 @@
           <a:p>
             <a:fld id="{7DA38F49-B3E2-4BF0-BEC7-C30D34ABBB8D}" type="datetime1">
               <a:rPr lang="en-US" smtClean="0"/>
-              <a:t>8/6/2025</a:t>
+              <a:t>8/5/25</a:t>
             </a:fld>
             <a:endParaRPr lang="en-US"/>
           </a:p>
@@ -3272,7 +3275,7 @@
           <a:p>
             <a:fld id="{70C12960-6E85-460F-B6E3-5B82CB31AF3D}" type="slidenum">
               <a:rPr lang="en-US" smtClean="0"/>
-              <a:t>‹Nº›</a:t>
+              <a:t>‹#›</a:t>
             </a:fld>
             <a:endParaRPr lang="en-US"/>
           </a:p>
@@ -4227,6 +4230,114 @@
 </p:sld>
 </file>
 
+<file path=ppt/slides/slide10.xml><?xml version="1.0" encoding="utf-8"?>
+<p:sld xmlns:a="http://schemas.openxmlformats.org/drawingml/2006/main" xmlns:r="http://schemas.openxmlformats.org/officeDocument/2006/relationships" xmlns:p="http://schemas.openxmlformats.org/presentationml/2006/main">
+  <p:cSld>
+    <p:spTree>
+      <p:nvGrpSpPr>
+        <p:cNvPr id="1" name=""/>
+        <p:cNvGrpSpPr/>
+        <p:nvPr/>
+      </p:nvGrpSpPr>
+      <p:grpSpPr>
+        <a:xfrm>
+          <a:off x="0" y="0"/>
+          <a:ext cx="0" cy="0"/>
+          <a:chOff x="0" y="0"/>
+          <a:chExt cx="0" cy="0"/>
+        </a:xfrm>
+      </p:grpSpPr>
+      <p:pic>
+        <p:nvPicPr>
+          <p:cNvPr id="3" name="Imagen 2">
+            <a:extLst>
+              <a:ext uri="{FF2B5EF4-FFF2-40B4-BE49-F238E27FC236}">
+                <a16:creationId xmlns:a16="http://schemas.microsoft.com/office/drawing/2014/main" id="{EEFDFDAA-9194-4CCA-3489-B19FA3AACC27}"/>
+              </a:ext>
+            </a:extLst>
+          </p:cNvPr>
+          <p:cNvPicPr>
+            <a:picLocks noChangeAspect="1"/>
+          </p:cNvPicPr>
+          <p:nvPr/>
+        </p:nvPicPr>
+        <p:blipFill>
+          <a:blip r:embed="rId2"/>
+          <a:srcRect r="44898"/>
+          <a:stretch>
+            <a:fillRect/>
+          </a:stretch>
+        </p:blipFill>
+        <p:spPr>
+          <a:xfrm>
+            <a:off x="659757" y="1898248"/>
+            <a:ext cx="4907666" cy="4740938"/>
+          </a:xfrm>
+          <a:prstGeom prst="rect">
+            <a:avLst/>
+          </a:prstGeom>
+        </p:spPr>
+      </p:pic>
+      <p:pic>
+        <p:nvPicPr>
+          <p:cNvPr id="1026" name="Picture 2" descr="Minimum Viable Product (MVP) and Design - Balancing Risk to Gain Reward |  IxDF">
+            <a:extLst>
+              <a:ext uri="{FF2B5EF4-FFF2-40B4-BE49-F238E27FC236}">
+                <a16:creationId xmlns:a16="http://schemas.microsoft.com/office/drawing/2014/main" id="{16A8E928-3A48-7100-C90B-C32321B1DFC4}"/>
+              </a:ext>
+            </a:extLst>
+          </p:cNvPr>
+          <p:cNvPicPr>
+            <a:picLocks noChangeAspect="1" noChangeArrowheads="1"/>
+          </p:cNvPicPr>
+          <p:nvPr/>
+        </p:nvPicPr>
+        <p:blipFill rotWithShape="1">
+          <a:blip r:embed="rId3">
+            <a:extLst>
+              <a:ext uri="{28A0092B-C50C-407E-A947-70E740481C1C}">
+                <a14:useLocalDpi xmlns:a14="http://schemas.microsoft.com/office/drawing/2010/main" val="0"/>
+              </a:ext>
+            </a:extLst>
+          </a:blip>
+          <a:srcRect t="72119"/>
+          <a:stretch>
+            <a:fillRect/>
+          </a:stretch>
+        </p:blipFill>
+        <p:spPr bwMode="auto">
+          <a:xfrm>
+            <a:off x="1679655" y="218814"/>
+            <a:ext cx="8439150" cy="1513752"/>
+          </a:xfrm>
+          <a:prstGeom prst="rect">
+            <a:avLst/>
+          </a:prstGeom>
+          <a:noFill/>
+          <a:extLst>
+            <a:ext uri="{909E8E84-426E-40DD-AFC4-6F175D3DCCD1}">
+              <a14:hiddenFill xmlns:a14="http://schemas.microsoft.com/office/drawing/2010/main">
+                <a:solidFill>
+                  <a:srgbClr val="FFFFFF"/>
+                </a:solidFill>
+              </a14:hiddenFill>
+            </a:ext>
+          </a:extLst>
+        </p:spPr>
+      </p:pic>
+    </p:spTree>
+    <p:extLst>
+      <p:ext uri="{BB962C8B-B14F-4D97-AF65-F5344CB8AC3E}">
+        <p14:creationId xmlns:p14="http://schemas.microsoft.com/office/powerpoint/2010/main" val="530273303"/>
+      </p:ext>
+    </p:extLst>
+  </p:cSld>
+  <p:clrMapOvr>
+    <a:masterClrMapping/>
+  </p:clrMapOvr>
+</p:sld>
+</file>
+
 <file path=ppt/slides/slide2.xml><?xml version="1.0" encoding="utf-8"?>
 <p:sld xmlns:a="http://schemas.openxmlformats.org/drawingml/2006/main" xmlns:r="http://schemas.openxmlformats.org/officeDocument/2006/relationships" xmlns:p="http://schemas.openxmlformats.org/presentationml/2006/main">
   <p:cSld>
@@ -4249,6 +4360,422 @@
           <p:cNvPr id="2" name="Rubrik 1">
             <a:extLst>
               <a:ext uri="{FF2B5EF4-FFF2-40B4-BE49-F238E27FC236}">
+                <a16:creationId xmlns:a16="http://schemas.microsoft.com/office/drawing/2014/main" id="{39D2116F-BCDF-D449-BCA3-F8F45FA4C9B1}"/>
+              </a:ext>
+            </a:extLst>
+          </p:cNvPr>
+          <p:cNvSpPr>
+            <a:spLocks noGrp="1"/>
+          </p:cNvSpPr>
+          <p:nvPr>
+            <p:ph type="title"/>
+          </p:nvPr>
+        </p:nvSpPr>
+        <p:spPr>
+          <a:xfrm>
+            <a:off x="640079" y="104662"/>
+            <a:ext cx="10890929" cy="1097280"/>
+          </a:xfrm>
+        </p:spPr>
+        <p:txBody>
+          <a:bodyPr/>
+          <a:lstStyle/>
+          <a:p>
+            <a:r>
+              <a:rPr lang="en-GB" dirty="0"/>
+              <a:t>Open Science – What is this sorcery?</a:t>
+            </a:r>
+          </a:p>
+        </p:txBody>
+      </p:sp>
+      <p:sp>
+        <p:nvSpPr>
+          <p:cNvPr id="3" name="Platshållare för innehåll 2">
+            <a:extLst>
+              <a:ext uri="{FF2B5EF4-FFF2-40B4-BE49-F238E27FC236}">
+                <a16:creationId xmlns:a16="http://schemas.microsoft.com/office/drawing/2014/main" id="{152AEFD8-BBD5-75A9-9B8C-2EF518639127}"/>
+              </a:ext>
+            </a:extLst>
+          </p:cNvPr>
+          <p:cNvSpPr>
+            <a:spLocks noGrp="1"/>
+          </p:cNvSpPr>
+          <p:nvPr>
+            <p:ph idx="1"/>
+          </p:nvPr>
+        </p:nvSpPr>
+        <p:spPr>
+          <a:xfrm>
+            <a:off x="640079" y="1311007"/>
+            <a:ext cx="4951251" cy="5209714"/>
+          </a:xfrm>
+        </p:spPr>
+        <p:txBody>
+          <a:bodyPr>
+            <a:normAutofit fontScale="92500" lnSpcReduction="10000"/>
+          </a:bodyPr>
+          <a:lstStyle/>
+          <a:p>
+            <a:pPr marL="0" indent="0">
+              <a:buNone/>
+            </a:pPr>
+            <a:r>
+              <a:rPr lang="en-US" sz="2600" b="1" noProof="0" dirty="0"/>
+              <a:t>Replication crisis:</a:t>
+            </a:r>
+          </a:p>
+          <a:p>
+            <a:r>
+              <a:rPr lang="en-US" sz="2400" noProof="0" dirty="0"/>
+              <a:t>Low reproducibility rates </a:t>
+            </a:r>
+          </a:p>
+          <a:p>
+            <a:pPr lvl="1"/>
+            <a:r>
+              <a:rPr lang="en-US" sz="2000" dirty="0"/>
+              <a:t>the Reproducibility Project replicated 100 psychology studies and found only 36 % showed the original effect </a:t>
+            </a:r>
+            <a:r>
+              <a:rPr lang="sv-SE" sz="1900" dirty="0"/>
+              <a:t>(</a:t>
+            </a:r>
+            <a:r>
+              <a:rPr lang="sv-SE" sz="1900" dirty="0" err="1"/>
+              <a:t>Open</a:t>
+            </a:r>
+            <a:r>
+              <a:rPr lang="sv-SE" sz="1900" dirty="0"/>
+              <a:t> Science </a:t>
+            </a:r>
+            <a:r>
+              <a:rPr lang="sv-SE" sz="1900" dirty="0" err="1"/>
+              <a:t>Collaboration</a:t>
+            </a:r>
+            <a:r>
+              <a:rPr lang="sv-SE" sz="1900" dirty="0"/>
+              <a:t>, 2015)</a:t>
+            </a:r>
+            <a:r>
+              <a:rPr lang="sv-SE" sz="2000" dirty="0"/>
+              <a:t>.</a:t>
+            </a:r>
+            <a:endParaRPr lang="en-US" sz="2000" dirty="0"/>
+          </a:p>
+          <a:p>
+            <a:r>
+              <a:rPr lang="en-US" sz="2400" noProof="0" dirty="0"/>
+              <a:t>Selective reporting and p–hacking </a:t>
+            </a:r>
+          </a:p>
+          <a:p>
+            <a:r>
+              <a:rPr lang="en-US" sz="2400" noProof="0" dirty="0"/>
+              <a:t>Publication bias - positive findings are far likelier to reach print, skewing the evidence base</a:t>
+            </a:r>
+          </a:p>
+          <a:p>
+            <a:pPr marL="0" indent="0">
+              <a:buNone/>
+            </a:pPr>
+            <a:endParaRPr lang="en-US" sz="2400" noProof="0" dirty="0"/>
+          </a:p>
+          <a:p>
+            <a:pPr marL="0" indent="0">
+              <a:buNone/>
+            </a:pPr>
+            <a:r>
+              <a:rPr lang="en-US" sz="2400" b="1" noProof="0" dirty="0"/>
+              <a:t>And a whole lot more..</a:t>
+            </a:r>
+          </a:p>
+        </p:txBody>
+      </p:sp>
+      <p:sp>
+        <p:nvSpPr>
+          <p:cNvPr id="4" name="textruta 3">
+            <a:extLst>
+              <a:ext uri="{FF2B5EF4-FFF2-40B4-BE49-F238E27FC236}">
+                <a16:creationId xmlns:a16="http://schemas.microsoft.com/office/drawing/2014/main" id="{FE8241BA-83A3-F9FD-ADC7-AE67A695D8EB}"/>
+              </a:ext>
+            </a:extLst>
+          </p:cNvPr>
+          <p:cNvSpPr txBox="1"/>
+          <p:nvPr/>
+        </p:nvSpPr>
+        <p:spPr>
+          <a:xfrm>
+            <a:off x="6191480" y="1311007"/>
+            <a:ext cx="5725700" cy="4462760"/>
+          </a:xfrm>
+          <a:prstGeom prst="rect">
+            <a:avLst/>
+          </a:prstGeom>
+          <a:noFill/>
+        </p:spPr>
+        <p:txBody>
+          <a:bodyPr wrap="square" rtlCol="0">
+            <a:spAutoFit/>
+          </a:bodyPr>
+          <a:lstStyle/>
+          <a:p>
+            <a:r>
+              <a:rPr lang="en-GB" sz="2400" b="1" dirty="0"/>
+              <a:t>This has resulted in the needs of:</a:t>
+            </a:r>
+          </a:p>
+          <a:p>
+            <a:endParaRPr lang="en-GB" sz="2000" b="1" dirty="0"/>
+          </a:p>
+          <a:p>
+            <a:pPr marL="285750" indent="-285750">
+              <a:buFont typeface="Arial" panose="020B0604020202020204" pitchFamily="34" charset="0"/>
+              <a:buChar char="•"/>
+            </a:pPr>
+            <a:r>
+              <a:rPr lang="en-GB" sz="2000" dirty="0"/>
+              <a:t>Openly accessible scripts, data and analyses from published experiments</a:t>
+            </a:r>
+            <a:br>
+              <a:rPr lang="en-GB" sz="2000" dirty="0"/>
+            </a:br>
+            <a:endParaRPr lang="en-GB" sz="2000" dirty="0"/>
+          </a:p>
+          <a:p>
+            <a:pPr marL="285750" indent="-285750">
+              <a:buFont typeface="Arial" panose="020B0604020202020204" pitchFamily="34" charset="0"/>
+              <a:buChar char="•"/>
+            </a:pPr>
+            <a:r>
+              <a:rPr lang="en-GB" sz="2000" dirty="0"/>
+              <a:t>Online repositories like OSF, </a:t>
+            </a:r>
+            <a:r>
+              <a:rPr lang="en-GB" sz="2000" dirty="0" err="1"/>
+              <a:t>Zenodo</a:t>
+            </a:r>
+            <a:r>
+              <a:rPr lang="en-GB" sz="2000" dirty="0"/>
+              <a:t>, </a:t>
+            </a:r>
+            <a:r>
+              <a:rPr lang="en-GB" sz="2000" dirty="0" err="1"/>
+              <a:t>Figshare</a:t>
+            </a:r>
+            <a:r>
+              <a:rPr lang="en-GB" sz="2000" dirty="0"/>
+              <a:t> etc.</a:t>
+            </a:r>
+            <a:br>
+              <a:rPr lang="en-GB" sz="2000" dirty="0"/>
+            </a:br>
+            <a:endParaRPr lang="en-GB" sz="2000" dirty="0"/>
+          </a:p>
+          <a:p>
+            <a:pPr marL="285750" indent="-285750">
+              <a:buFont typeface="Arial" panose="020B0604020202020204" pitchFamily="34" charset="0"/>
+              <a:buChar char="•"/>
+            </a:pPr>
+            <a:r>
+              <a:rPr lang="en-GB" sz="2000" dirty="0"/>
+              <a:t>Preregistrations of what is to be studied, how &amp; the expected results</a:t>
+            </a:r>
+            <a:br>
+              <a:rPr lang="en-GB" sz="2000" dirty="0"/>
+            </a:br>
+            <a:endParaRPr lang="en-GB" sz="2000" dirty="0"/>
+          </a:p>
+          <a:p>
+            <a:pPr marL="285750" indent="-285750">
+              <a:buFont typeface="Arial" panose="020B0604020202020204" pitchFamily="34" charset="0"/>
+              <a:buChar char="•"/>
+            </a:pPr>
+            <a:r>
+              <a:rPr lang="en-GB" sz="2000" b="1" dirty="0"/>
+              <a:t>G</a:t>
+            </a:r>
+            <a:r>
+              <a:rPr lang="en-GB" sz="2000" dirty="0"/>
+              <a:t>uiding conventions on how to make data accessible, readable, reproducible &amp; understandable </a:t>
+            </a:r>
+          </a:p>
+        </p:txBody>
+      </p:sp>
+      <p:sp>
+        <p:nvSpPr>
+          <p:cNvPr id="10" name="textruta 9">
+            <a:extLst>
+              <a:ext uri="{FF2B5EF4-FFF2-40B4-BE49-F238E27FC236}">
+                <a16:creationId xmlns:a16="http://schemas.microsoft.com/office/drawing/2014/main" id="{71E24B18-9113-3765-AA62-6B03B92144AC}"/>
+              </a:ext>
+            </a:extLst>
+          </p:cNvPr>
+          <p:cNvSpPr txBox="1"/>
+          <p:nvPr/>
+        </p:nvSpPr>
+        <p:spPr>
+          <a:xfrm>
+            <a:off x="6442113" y="6396335"/>
+            <a:ext cx="6097836" cy="461665"/>
+          </a:xfrm>
+          <a:prstGeom prst="rect">
+            <a:avLst/>
+          </a:prstGeom>
+          <a:noFill/>
+        </p:spPr>
+        <p:txBody>
+          <a:bodyPr wrap="square">
+            <a:spAutoFit/>
+          </a:bodyPr>
+          <a:lstStyle/>
+          <a:p>
+            <a:pPr>
+              <a:buNone/>
+            </a:pPr>
+            <a:r>
+              <a:rPr lang="sv-SE" sz="1200" dirty="0" err="1">
+                <a:effectLst/>
+              </a:rPr>
+              <a:t>Open</a:t>
+            </a:r>
+            <a:r>
+              <a:rPr lang="sv-SE" sz="1200" dirty="0">
+                <a:effectLst/>
+              </a:rPr>
+              <a:t> Science </a:t>
+            </a:r>
+            <a:r>
+              <a:rPr lang="sv-SE" sz="1200" dirty="0" err="1">
+                <a:effectLst/>
+              </a:rPr>
+              <a:t>Collaboration</a:t>
+            </a:r>
+            <a:r>
+              <a:rPr lang="sv-SE" sz="1200" dirty="0">
+                <a:effectLst/>
+              </a:rPr>
+              <a:t>. (2015). </a:t>
+            </a:r>
+            <a:r>
+              <a:rPr lang="sv-SE" sz="1200" dirty="0" err="1">
+                <a:effectLst/>
+              </a:rPr>
+              <a:t>Estimating</a:t>
+            </a:r>
+            <a:r>
+              <a:rPr lang="sv-SE" sz="1200" dirty="0">
+                <a:effectLst/>
+              </a:rPr>
+              <a:t> the </a:t>
+            </a:r>
+            <a:r>
+              <a:rPr lang="sv-SE" sz="1200" dirty="0" err="1">
+                <a:effectLst/>
+              </a:rPr>
+              <a:t>reproducibility</a:t>
+            </a:r>
+            <a:r>
+              <a:rPr lang="sv-SE" sz="1200" dirty="0">
+                <a:effectLst/>
+              </a:rPr>
+              <a:t> </a:t>
+            </a:r>
+            <a:r>
+              <a:rPr lang="sv-SE" sz="1200" dirty="0" err="1">
+                <a:effectLst/>
+              </a:rPr>
+              <a:t>of</a:t>
+            </a:r>
+            <a:r>
+              <a:rPr lang="sv-SE" sz="1200" dirty="0">
+                <a:effectLst/>
+              </a:rPr>
+              <a:t> </a:t>
+            </a:r>
+            <a:r>
+              <a:rPr lang="sv-SE" sz="1200" dirty="0" err="1">
+                <a:effectLst/>
+              </a:rPr>
+              <a:t>psychological</a:t>
+            </a:r>
+            <a:r>
+              <a:rPr lang="sv-SE" sz="1200" dirty="0">
+                <a:effectLst/>
+              </a:rPr>
+              <a:t> science. </a:t>
+            </a:r>
+            <a:r>
+              <a:rPr lang="sv-SE" sz="1200" i="1" dirty="0">
+                <a:effectLst/>
+              </a:rPr>
+              <a:t>Science</a:t>
+            </a:r>
+            <a:r>
+              <a:rPr lang="sv-SE" sz="1200" dirty="0">
+                <a:effectLst/>
+              </a:rPr>
+              <a:t>, </a:t>
+            </a:r>
+            <a:r>
+              <a:rPr lang="sv-SE" sz="1200" i="1" dirty="0">
+                <a:effectLst/>
+              </a:rPr>
+              <a:t>349</a:t>
+            </a:r>
+            <a:r>
+              <a:rPr lang="sv-SE" sz="1200" dirty="0">
+                <a:effectLst/>
+              </a:rPr>
+              <a:t>(6251), </a:t>
+            </a:r>
+            <a:r>
+              <a:rPr lang="sv-SE" sz="1200" dirty="0">
+                <a:effectLst/>
+                <a:hlinkClick r:id="rId2"/>
+              </a:rPr>
+              <a:t>https://doi.org/10.1126/science.aac4716</a:t>
+            </a:r>
+            <a:endParaRPr lang="sv-SE" sz="1200" dirty="0">
+              <a:effectLst/>
+            </a:endParaRPr>
+          </a:p>
+        </p:txBody>
+      </p:sp>
+    </p:spTree>
+    <p:extLst>
+      <p:ext uri="{BB962C8B-B14F-4D97-AF65-F5344CB8AC3E}">
+        <p14:creationId xmlns:p14="http://schemas.microsoft.com/office/powerpoint/2010/main" val="3964396931"/>
+      </p:ext>
+    </p:extLst>
+  </p:cSld>
+  <p:clrMapOvr>
+    <a:masterClrMapping/>
+  </p:clrMapOvr>
+</p:sld>
+</file>
+
+<file path=ppt/slides/slide3.xml><?xml version="1.0" encoding="utf-8"?>
+<p:sld xmlns:a="http://schemas.openxmlformats.org/drawingml/2006/main" xmlns:r="http://schemas.openxmlformats.org/officeDocument/2006/relationships" xmlns:p="http://schemas.openxmlformats.org/presentationml/2006/main">
+  <p:cSld>
+    <p:spTree>
+      <p:nvGrpSpPr>
+        <p:cNvPr id="1" name=""/>
+        <p:cNvGrpSpPr/>
+        <p:nvPr/>
+      </p:nvGrpSpPr>
+      <p:grpSpPr>
+        <a:xfrm>
+          <a:off x="0" y="0"/>
+          <a:ext cx="0" cy="0"/>
+          <a:chOff x="0" y="0"/>
+          <a:chExt cx="0" cy="0"/>
+        </a:xfrm>
+      </p:grpSpPr>
+      <p:sp>
+        <p:nvSpPr>
+          <p:cNvPr id="2" name="Rubrik 1">
+            <a:extLst>
+              <a:ext uri="{FF2B5EF4-FFF2-40B4-BE49-F238E27FC236}">
                 <a16:creationId xmlns:a16="http://schemas.microsoft.com/office/drawing/2014/main" id="{00ABCB7C-6C66-8DED-81FF-3610770FAF1B}"/>
               </a:ext>
             </a:extLst>
@@ -4266,10 +4793,9 @@
           <a:lstStyle/>
           <a:p>
             <a:r>
-              <a:rPr lang="en-GB"/>
-              <a:t>What is the problem?</a:t>
-            </a:r>
-            <a:endParaRPr lang="en-GB" dirty="0"/>
+              <a:rPr lang="en-GB" dirty="0"/>
+              <a:t>Current issues of Open Science..</a:t>
+            </a:r>
           </a:p>
         </p:txBody>
       </p:sp>
@@ -4295,8 +4821,8 @@
           <a:lstStyle/>
           <a:p>
             <a:r>
-              <a:rPr lang="en-GB" dirty="0"/>
-              <a:t>Data &amp; Metadata sharing = TIME CONSUMING</a:t>
+              <a:rPr lang="en-GB" b="1" dirty="0"/>
+              <a:t>TIME CONSUMING</a:t>
             </a:r>
           </a:p>
           <a:p>
@@ -4318,7 +4844,7 @@
           <a:p>
             <a:r>
               <a:rPr lang="en-GB" dirty="0"/>
-              <a:t>Not according to the FAIR guiding principles</a:t>
+              <a:t>Lack of following guidelines </a:t>
             </a:r>
           </a:p>
         </p:txBody>
@@ -4336,7 +4862,102 @@
 </p:sld>
 </file>
 
-<file path=ppt/slides/slide3.xml><?xml version="1.0" encoding="utf-8"?>
+<file path=ppt/slides/slide4.xml><?xml version="1.0" encoding="utf-8"?>
+<p:sld xmlns:a="http://schemas.openxmlformats.org/drawingml/2006/main" xmlns:r="http://schemas.openxmlformats.org/officeDocument/2006/relationships" xmlns:p="http://schemas.openxmlformats.org/presentationml/2006/main">
+  <p:cSld>
+    <p:spTree>
+      <p:nvGrpSpPr>
+        <p:cNvPr id="1" name=""/>
+        <p:cNvGrpSpPr/>
+        <p:nvPr/>
+      </p:nvGrpSpPr>
+      <p:grpSpPr>
+        <a:xfrm>
+          <a:off x="0" y="0"/>
+          <a:ext cx="0" cy="0"/>
+          <a:chOff x="0" y="0"/>
+          <a:chExt cx="0" cy="0"/>
+        </a:xfrm>
+      </p:grpSpPr>
+      <p:pic>
+        <p:nvPicPr>
+          <p:cNvPr id="5" name="Bildobjekt 4" descr="En bild som visar text, skärmbild, programvara, nummer&#10;&#10;AI-genererat innehåll kan vara felaktigt.">
+            <a:extLst>
+              <a:ext uri="{FF2B5EF4-FFF2-40B4-BE49-F238E27FC236}">
+                <a16:creationId xmlns:a16="http://schemas.microsoft.com/office/drawing/2014/main" id="{4C0A945B-07BE-4E26-0F9A-D114954D516E}"/>
+              </a:ext>
+            </a:extLst>
+          </p:cNvPr>
+          <p:cNvPicPr>
+            <a:picLocks noChangeAspect="1"/>
+          </p:cNvPicPr>
+          <p:nvPr/>
+        </p:nvPicPr>
+        <p:blipFill>
+          <a:blip r:embed="rId2"/>
+          <a:stretch>
+            <a:fillRect/>
+          </a:stretch>
+        </p:blipFill>
+        <p:spPr>
+          <a:xfrm>
+            <a:off x="627435" y="547795"/>
+            <a:ext cx="10937130" cy="5762409"/>
+          </a:xfrm>
+          <a:prstGeom prst="rect">
+            <a:avLst/>
+          </a:prstGeom>
+        </p:spPr>
+      </p:pic>
+      <p:sp>
+        <p:nvSpPr>
+          <p:cNvPr id="6" name="textruta 5">
+            <a:extLst>
+              <a:ext uri="{FF2B5EF4-FFF2-40B4-BE49-F238E27FC236}">
+                <a16:creationId xmlns:a16="http://schemas.microsoft.com/office/drawing/2014/main" id="{C8DA1852-F3FE-3ECA-D0B7-1431BAC45775}"/>
+              </a:ext>
+            </a:extLst>
+          </p:cNvPr>
+          <p:cNvSpPr txBox="1"/>
+          <p:nvPr/>
+        </p:nvSpPr>
+        <p:spPr>
+          <a:xfrm>
+            <a:off x="164890" y="4248101"/>
+            <a:ext cx="3117956" cy="2062103"/>
+          </a:xfrm>
+          <a:prstGeom prst="rect">
+            <a:avLst/>
+          </a:prstGeom>
+          <a:noFill/>
+        </p:spPr>
+        <p:txBody>
+          <a:bodyPr wrap="square" rtlCol="0">
+            <a:spAutoFit/>
+          </a:bodyPr>
+          <a:lstStyle/>
+          <a:p>
+            <a:r>
+              <a:rPr lang="en-GB" sz="3200" dirty="0"/>
+              <a:t>Example of an unstructured repository on OSF</a:t>
+            </a:r>
+          </a:p>
+        </p:txBody>
+      </p:sp>
+    </p:spTree>
+    <p:extLst>
+      <p:ext uri="{BB962C8B-B14F-4D97-AF65-F5344CB8AC3E}">
+        <p14:creationId xmlns:p14="http://schemas.microsoft.com/office/powerpoint/2010/main" val="274789447"/>
+      </p:ext>
+    </p:extLst>
+  </p:cSld>
+  <p:clrMapOvr>
+    <a:masterClrMapping/>
+  </p:clrMapOvr>
+</p:sld>
+</file>
+
+<file path=ppt/slides/slide5.xml><?xml version="1.0" encoding="utf-8"?>
 <p:sld xmlns:a="http://schemas.openxmlformats.org/drawingml/2006/main" xmlns:r="http://schemas.openxmlformats.org/officeDocument/2006/relationships" xmlns:p="http://schemas.openxmlformats.org/presentationml/2006/main">
   <p:cSld>
     <p:bg>
@@ -4717,7 +5338,7 @@
 </p:sld>
 </file>
 
-<file path=ppt/slides/slide4.xml><?xml version="1.0" encoding="utf-8"?>
+<file path=ppt/slides/slide6.xml><?xml version="1.0" encoding="utf-8"?>
 <p:sld xmlns:a="http://schemas.openxmlformats.org/drawingml/2006/main" xmlns:r="http://schemas.openxmlformats.org/officeDocument/2006/relationships" xmlns:p="http://schemas.openxmlformats.org/presentationml/2006/main">
   <p:cSld>
     <p:spTree>
@@ -4734,67 +5355,38 @@
           <a:chExt cx="0" cy="0"/>
         </a:xfrm>
       </p:grpSpPr>
-      <p:pic>
-        <p:nvPicPr>
-          <p:cNvPr id="5" name="Bildobjekt 4" descr="En bild som visar text, skärmbild, programvara, nummer&#10;&#10;AI-genererat innehåll kan vara felaktigt.">
-            <a:extLst>
-              <a:ext uri="{FF2B5EF4-FFF2-40B4-BE49-F238E27FC236}">
-                <a16:creationId xmlns:a16="http://schemas.microsoft.com/office/drawing/2014/main" id="{4C0A945B-07BE-4E26-0F9A-D114954D516E}"/>
-              </a:ext>
-            </a:extLst>
-          </p:cNvPr>
-          <p:cNvPicPr>
-            <a:picLocks noChangeAspect="1"/>
-          </p:cNvPicPr>
-          <p:nvPr/>
-        </p:nvPicPr>
-        <p:blipFill>
-          <a:blip r:embed="rId2"/>
-          <a:stretch>
-            <a:fillRect/>
-          </a:stretch>
-        </p:blipFill>
+      <p:sp>
+        <p:nvSpPr>
+          <p:cNvPr id="2" name="Rubrik 1">
+            <a:extLst>
+              <a:ext uri="{FF2B5EF4-FFF2-40B4-BE49-F238E27FC236}">
+                <a16:creationId xmlns:a16="http://schemas.microsoft.com/office/drawing/2014/main" id="{ADE45D15-8728-B9A5-62DE-440F054B61B6}"/>
+              </a:ext>
+            </a:extLst>
+          </p:cNvPr>
+          <p:cNvSpPr>
+            <a:spLocks noGrp="1"/>
+          </p:cNvSpPr>
+          <p:nvPr>
+            <p:ph type="title"/>
+          </p:nvPr>
+        </p:nvSpPr>
         <p:spPr>
           <a:xfrm>
-            <a:off x="627435" y="547795"/>
-            <a:ext cx="10937130" cy="5762409"/>
+            <a:off x="650535" y="2331720"/>
+            <a:ext cx="10890929" cy="1097280"/>
           </a:xfrm>
-          <a:prstGeom prst="rect">
-            <a:avLst/>
-          </a:prstGeom>
         </p:spPr>
-      </p:pic>
-      <p:sp>
-        <p:nvSpPr>
-          <p:cNvPr id="6" name="textruta 5">
-            <a:extLst>
-              <a:ext uri="{FF2B5EF4-FFF2-40B4-BE49-F238E27FC236}">
-                <a16:creationId xmlns:a16="http://schemas.microsoft.com/office/drawing/2014/main" id="{C8DA1852-F3FE-3ECA-D0B7-1431BAC45775}"/>
-              </a:ext>
-            </a:extLst>
-          </p:cNvPr>
-          <p:cNvSpPr txBox="1"/>
-          <p:nvPr/>
-        </p:nvSpPr>
-        <p:spPr>
-          <a:xfrm>
-            <a:off x="164890" y="4248101"/>
-            <a:ext cx="3117956" cy="2062103"/>
-          </a:xfrm>
-          <a:prstGeom prst="rect">
-            <a:avLst/>
-          </a:prstGeom>
-          <a:noFill/>
-        </p:spPr>
-        <p:txBody>
-          <a:bodyPr wrap="square" rtlCol="0">
-            <a:spAutoFit/>
+        <p:txBody>
+          <a:bodyPr>
+            <a:normAutofit fontScale="90000"/>
           </a:bodyPr>
           <a:lstStyle/>
           <a:p>
-            <a:r>
-              <a:rPr lang="en-GB" sz="3200" dirty="0"/>
-              <a:t>Example of an unstructured repository on OSF</a:t>
+            <a:pPr algn="ctr"/>
+            <a:r>
+              <a:rPr lang="en-GB" sz="7200" dirty="0"/>
+              <a:t>What is the solution?</a:t>
             </a:r>
           </a:p>
         </p:txBody>
@@ -4802,7 +5394,7 @@
     </p:spTree>
     <p:extLst>
       <p:ext uri="{BB962C8B-B14F-4D97-AF65-F5344CB8AC3E}">
-        <p14:creationId xmlns:p14="http://schemas.microsoft.com/office/powerpoint/2010/main" val="274789447"/>
+        <p14:creationId xmlns:p14="http://schemas.microsoft.com/office/powerpoint/2010/main" val="2426943186"/>
       </p:ext>
     </p:extLst>
   </p:cSld>
@@ -4812,7 +5404,193 @@
 </p:sld>
 </file>
 
-<file path=ppt/slides/slide5.xml><?xml version="1.0" encoding="utf-8"?>
+<file path=ppt/slides/slide7.xml><?xml version="1.0" encoding="utf-8"?>
+<p:sld xmlns:a="http://schemas.openxmlformats.org/drawingml/2006/main" xmlns:r="http://schemas.openxmlformats.org/officeDocument/2006/relationships" xmlns:p="http://schemas.openxmlformats.org/presentationml/2006/main">
+  <p:cSld>
+    <p:spTree>
+      <p:nvGrpSpPr>
+        <p:cNvPr id="1" name="">
+          <a:extLst>
+            <a:ext uri="{FF2B5EF4-FFF2-40B4-BE49-F238E27FC236}">
+              <a16:creationId xmlns:a16="http://schemas.microsoft.com/office/drawing/2014/main" id="{45BFABD8-E447-065F-8195-A0BA8402740C}"/>
+            </a:ext>
+          </a:extLst>
+        </p:cNvPr>
+        <p:cNvGrpSpPr/>
+        <p:nvPr/>
+      </p:nvGrpSpPr>
+      <p:grpSpPr>
+        <a:xfrm>
+          <a:off x="0" y="0"/>
+          <a:ext cx="0" cy="0"/>
+          <a:chOff x="0" y="0"/>
+          <a:chExt cx="0" cy="0"/>
+        </a:xfrm>
+      </p:grpSpPr>
+      <p:sp>
+        <p:nvSpPr>
+          <p:cNvPr id="4" name="textruta 3">
+            <a:extLst>
+              <a:ext uri="{FF2B5EF4-FFF2-40B4-BE49-F238E27FC236}">
+                <a16:creationId xmlns:a16="http://schemas.microsoft.com/office/drawing/2014/main" id="{D4A175A0-8AFE-465A-3732-2C7611B7C5B6}"/>
+              </a:ext>
+            </a:extLst>
+          </p:cNvPr>
+          <p:cNvSpPr txBox="1"/>
+          <p:nvPr/>
+        </p:nvSpPr>
+        <p:spPr>
+          <a:xfrm>
+            <a:off x="1330912" y="4731470"/>
+            <a:ext cx="9530173" cy="1077218"/>
+          </a:xfrm>
+          <a:prstGeom prst="rect">
+            <a:avLst/>
+          </a:prstGeom>
+          <a:noFill/>
+        </p:spPr>
+        <p:txBody>
+          <a:bodyPr wrap="none" rtlCol="0">
+            <a:spAutoFit/>
+          </a:bodyPr>
+          <a:lstStyle/>
+          <a:p>
+            <a:pPr algn="ctr"/>
+            <a:r>
+              <a:rPr lang="en-GB" sz="3200" b="1" dirty="0"/>
+              <a:t>FAIR A</a:t>
+            </a:r>
+            <a:r>
+              <a:rPr lang="en-GB" sz="3200" dirty="0"/>
+              <a:t>rchive</a:t>
+            </a:r>
+            <a:r>
+              <a:rPr lang="en-GB" sz="3200" b="1" dirty="0"/>
+              <a:t> I</a:t>
+            </a:r>
+            <a:r>
+              <a:rPr lang="en-GB" sz="3200" dirty="0"/>
+              <a:t>nfrastructure</a:t>
+            </a:r>
+            <a:r>
+              <a:rPr lang="en-GB" sz="3200" b="1" dirty="0"/>
+              <a:t> </a:t>
+            </a:r>
+            <a:r>
+              <a:rPr lang="en-GB" sz="3200" dirty="0"/>
+              <a:t>for</a:t>
+            </a:r>
+            <a:r>
+              <a:rPr lang="en-GB" sz="3200" b="1" dirty="0"/>
+              <a:t> R</a:t>
+            </a:r>
+            <a:r>
+              <a:rPr lang="en-GB" sz="3200" dirty="0"/>
+              <a:t>esearch</a:t>
+            </a:r>
+            <a:r>
+              <a:rPr lang="en-GB" sz="3200" b="1" dirty="0"/>
+              <a:t>,</a:t>
+            </a:r>
+          </a:p>
+          <a:p>
+            <a:pPr algn="ctr"/>
+            <a:r>
+              <a:rPr lang="en-GB" sz="3200" b="1" dirty="0"/>
+              <a:t>It’s Y</a:t>
+            </a:r>
+            <a:r>
+              <a:rPr lang="en-GB" sz="3200" dirty="0"/>
+              <a:t>our</a:t>
+            </a:r>
+            <a:r>
+              <a:rPr lang="en-GB" sz="3200" b="1" dirty="0"/>
+              <a:t> T</a:t>
+            </a:r>
+            <a:r>
+              <a:rPr lang="en-GB" sz="3200" dirty="0"/>
+              <a:t>emplate</a:t>
+            </a:r>
+            <a:r>
+              <a:rPr lang="en-GB" sz="3200" b="1" dirty="0"/>
+              <a:t> for A</a:t>
+            </a:r>
+            <a:r>
+              <a:rPr lang="en-GB" sz="3200" dirty="0"/>
+              <a:t>ccessible</a:t>
+            </a:r>
+            <a:r>
+              <a:rPr lang="en-GB" sz="3200" b="1" dirty="0"/>
+              <a:t> </a:t>
+            </a:r>
+            <a:r>
+              <a:rPr lang="en-GB" sz="3200" dirty="0"/>
+              <a:t>&amp;</a:t>
+            </a:r>
+            <a:r>
+              <a:rPr lang="en-GB" sz="3200" b="1" dirty="0"/>
+              <a:t> L</a:t>
+            </a:r>
+            <a:r>
+              <a:rPr lang="en-GB" sz="3200" dirty="0"/>
+              <a:t>inked</a:t>
+            </a:r>
+            <a:r>
+              <a:rPr lang="en-GB" sz="3200" b="1" dirty="0"/>
+              <a:t> E</a:t>
+            </a:r>
+            <a:r>
+              <a:rPr lang="en-GB" sz="3200" dirty="0"/>
+              <a:t>vidence</a:t>
+            </a:r>
+          </a:p>
+        </p:txBody>
+      </p:sp>
+      <p:pic>
+        <p:nvPicPr>
+          <p:cNvPr id="5" name="Bildobjekt 4">
+            <a:extLst>
+              <a:ext uri="{FF2B5EF4-FFF2-40B4-BE49-F238E27FC236}">
+                <a16:creationId xmlns:a16="http://schemas.microsoft.com/office/drawing/2014/main" id="{57DE071C-4126-E620-8F48-90C09572926F}"/>
+              </a:ext>
+            </a:extLst>
+          </p:cNvPr>
+          <p:cNvPicPr>
+            <a:picLocks noChangeAspect="1"/>
+          </p:cNvPicPr>
+          <p:nvPr/>
+        </p:nvPicPr>
+        <p:blipFill>
+          <a:blip r:embed="rId2"/>
+          <a:srcRect l="8607" t="12076" r="8709" b="12304"/>
+          <a:stretch>
+            <a:fillRect/>
+          </a:stretch>
+        </p:blipFill>
+        <p:spPr>
+          <a:xfrm>
+            <a:off x="3935164" y="812467"/>
+            <a:ext cx="4321671" cy="3582650"/>
+          </a:xfrm>
+          <a:prstGeom prst="rect">
+            <a:avLst/>
+          </a:prstGeom>
+        </p:spPr>
+      </p:pic>
+    </p:spTree>
+    <p:extLst>
+      <p:ext uri="{BB962C8B-B14F-4D97-AF65-F5344CB8AC3E}">
+        <p14:creationId xmlns:p14="http://schemas.microsoft.com/office/powerpoint/2010/main" val="257856662"/>
+      </p:ext>
+    </p:extLst>
+  </p:cSld>
+  <p:clrMapOvr>
+    <a:masterClrMapping/>
+  </p:clrMapOvr>
+</p:sld>
+</file>
+
+<file path=ppt/slides/slide8.xml><?xml version="1.0" encoding="utf-8"?>
 <p:sld xmlns:a="http://schemas.openxmlformats.org/drawingml/2006/main" xmlns:r="http://schemas.openxmlformats.org/officeDocument/2006/relationships" xmlns:p="http://schemas.openxmlformats.org/presentationml/2006/main">
   <p:cSld>
     <p:spTree>
@@ -4831,34 +5609,6 @@
       </p:grpSpPr>
       <p:sp>
         <p:nvSpPr>
-          <p:cNvPr id="2" name="Rubrik 1">
-            <a:extLst>
-              <a:ext uri="{FF2B5EF4-FFF2-40B4-BE49-F238E27FC236}">
-                <a16:creationId xmlns:a16="http://schemas.microsoft.com/office/drawing/2014/main" id="{71873B20-0E93-B5B6-D404-84A8A49F8F6C}"/>
-              </a:ext>
-            </a:extLst>
-          </p:cNvPr>
-          <p:cNvSpPr>
-            <a:spLocks noGrp="1"/>
-          </p:cNvSpPr>
-          <p:nvPr>
-            <p:ph type="title"/>
-          </p:nvPr>
-        </p:nvSpPr>
-        <p:spPr/>
-        <p:txBody>
-          <a:bodyPr/>
-          <a:lstStyle/>
-          <a:p>
-            <a:r>
-              <a:rPr lang="en-GB" dirty="0"/>
-              <a:t>What is the solution?</a:t>
-            </a:r>
-          </a:p>
-        </p:txBody>
-      </p:sp>
-      <p:sp>
-        <p:nvSpPr>
           <p:cNvPr id="3" name="Platshållare för innehåll 2">
             <a:extLst>
               <a:ext uri="{FF2B5EF4-FFF2-40B4-BE49-F238E27FC236}">
@@ -4873,60 +5623,51 @@
             <p:ph idx="1"/>
           </p:nvPr>
         </p:nvSpPr>
-        <p:spPr/>
-        <p:txBody>
-          <a:bodyPr/>
-          <a:lstStyle/>
-          <a:p>
-            <a:r>
-              <a:rPr lang="en-GB" sz="2800" b="1" dirty="0" err="1"/>
-              <a:t>FAIRyTale</a:t>
-            </a:r>
+        <p:spPr>
+          <a:xfrm>
+            <a:off x="234622" y="2591424"/>
+            <a:ext cx="11243068" cy="3949909"/>
+          </a:xfrm>
+        </p:spPr>
+        <p:txBody>
+          <a:bodyPr>
+            <a:normAutofit/>
+          </a:bodyPr>
+          <a:lstStyle/>
+          <a:p>
+            <a:r>
+              <a:rPr lang="en-GB" sz="2800" dirty="0"/>
+              <a:t>Creates a local repository</a:t>
+            </a:r>
+          </a:p>
+          <a:p>
+            <a:r>
+              <a:rPr lang="en-GB" sz="2800" dirty="0"/>
+              <a:t>Upload files with necessary information, data, scripts, results and metadata</a:t>
+            </a:r>
+          </a:p>
+          <a:p>
             <a:r>
               <a:rPr lang="en-GB" sz="2800" b="1" dirty="0"/>
-              <a:t>! </a:t>
-            </a:r>
-            <a:r>
-              <a:rPr lang="en-GB" b="1" dirty="0"/>
-              <a:t>(of course)</a:t>
+              <a:t>Check and verify </a:t>
+            </a:r>
+            <a:r>
+              <a:rPr lang="en-GB" sz="2800" dirty="0"/>
+              <a:t>the repository making sure what’s included and not</a:t>
             </a:r>
             <a:endParaRPr lang="en-GB" sz="2800" b="1" dirty="0"/>
           </a:p>
           <a:p>
-            <a:pPr marL="0" indent="0">
-              <a:buNone/>
-            </a:pPr>
-            <a:endParaRPr lang="en-GB" sz="2800" b="1" dirty="0"/>
-          </a:p>
-          <a:p>
-            <a:r>
-              <a:rPr lang="en-GB" dirty="0"/>
-              <a:t>Creates a local repository</a:t>
-            </a:r>
-          </a:p>
-          <a:p>
-            <a:r>
-              <a:rPr lang="en-GB" dirty="0"/>
-              <a:t>Automatically structured and organized</a:t>
-            </a:r>
-          </a:p>
-          <a:p>
-            <a:r>
-              <a:rPr lang="en-GB" dirty="0"/>
-              <a:t>Upload files with necessary information, data, scripts, results and metadata</a:t>
-            </a:r>
-          </a:p>
-          <a:p>
-            <a:r>
-              <a:rPr lang="en-GB" dirty="0"/>
+            <a:r>
+              <a:rPr lang="en-GB" sz="2800" dirty="0"/>
               <a:t>Upload it to official repository (OSF, </a:t>
             </a:r>
             <a:r>
-              <a:rPr lang="en-GB" dirty="0" err="1"/>
+              <a:rPr lang="en-GB" sz="2800" dirty="0" err="1"/>
               <a:t>Zenodo</a:t>
             </a:r>
             <a:r>
-              <a:rPr lang="en-GB" dirty="0"/>
+              <a:rPr lang="en-GB" sz="2800" dirty="0"/>
               <a:t> etc)</a:t>
             </a:r>
           </a:p>
@@ -4948,14 +5689,15 @@
         </p:nvPicPr>
         <p:blipFill>
           <a:blip r:embed="rId2"/>
+          <a:srcRect l="8913" t="13291" r="9324" b="12713"/>
           <a:stretch>
             <a:fillRect/>
           </a:stretch>
         </p:blipFill>
         <p:spPr>
           <a:xfrm>
-            <a:off x="6654188" y="92393"/>
-            <a:ext cx="4876820" cy="4420473"/>
+            <a:off x="7933771" y="198303"/>
+            <a:ext cx="3478334" cy="2853369"/>
           </a:xfrm>
           <a:prstGeom prst="rect">
             <a:avLst/>
@@ -4975,7 +5717,7 @@
 </p:sld>
 </file>
 
-<file path=ppt/slides/slide6.xml><?xml version="1.0" encoding="utf-8"?>
+<file path=ppt/slides/slide9.xml><?xml version="1.0" encoding="utf-8"?>
 <p:sld xmlns:a="http://schemas.openxmlformats.org/drawingml/2006/main" xmlns:r="http://schemas.openxmlformats.org/officeDocument/2006/relationships" xmlns:p="http://schemas.openxmlformats.org/presentationml/2006/main">
   <p:cSld>
     <p:bg>
@@ -5250,42 +5992,249 @@
           </a:fontRef>
         </p:style>
       </p:cxnSp>
-    </p:spTree>
-    <p:extLst>
-      <p:ext uri="{BB962C8B-B14F-4D97-AF65-F5344CB8AC3E}">
-        <p14:creationId xmlns:p14="http://schemas.microsoft.com/office/powerpoint/2010/main" val="588997451"/>
-      </p:ext>
-    </p:extLst>
-  </p:cSld>
-  <p:clrMapOvr>
-    <a:masterClrMapping/>
-  </p:clrMapOvr>
-</p:sld>
-</file>
-
-<file path=ppt/slides/slide7.xml><?xml version="1.0" encoding="utf-8"?>
-<p:sld xmlns:a="http://schemas.openxmlformats.org/drawingml/2006/main" xmlns:r="http://schemas.openxmlformats.org/officeDocument/2006/relationships" xmlns:p="http://schemas.openxmlformats.org/presentationml/2006/main">
-  <p:cSld>
-    <p:spTree>
-      <p:nvGrpSpPr>
-        <p:cNvPr id="1" name=""/>
-        <p:cNvGrpSpPr/>
-        <p:nvPr/>
-      </p:nvGrpSpPr>
-      <p:grpSpPr>
-        <a:xfrm>
-          <a:off x="0" y="0"/>
-          <a:ext cx="0" cy="0"/>
-          <a:chOff x="0" y="0"/>
-          <a:chExt cx="0" cy="0"/>
-        </a:xfrm>
-      </p:grpSpPr>
+      <p:sp>
+        <p:nvSpPr>
+          <p:cNvPr id="11" name="textruta 10">
+            <a:extLst>
+              <a:ext uri="{FF2B5EF4-FFF2-40B4-BE49-F238E27FC236}">
+                <a16:creationId xmlns:a16="http://schemas.microsoft.com/office/drawing/2014/main" id="{DD112B5E-756F-5A37-80E1-66D5E7A81CEF}"/>
+              </a:ext>
+            </a:extLst>
+          </p:cNvPr>
+          <p:cNvSpPr txBox="1"/>
+          <p:nvPr/>
+        </p:nvSpPr>
+        <p:spPr>
+          <a:xfrm>
+            <a:off x="9923489" y="6280879"/>
+            <a:ext cx="1175322" cy="369332"/>
+          </a:xfrm>
+          <a:prstGeom prst="rect">
+            <a:avLst/>
+          </a:prstGeom>
+          <a:noFill/>
+        </p:spPr>
+        <p:txBody>
+          <a:bodyPr wrap="none" rtlCol="0">
+            <a:spAutoFit/>
+          </a:bodyPr>
+          <a:lstStyle/>
+          <a:p>
+            <a:r>
+              <a:rPr lang="en-GB" dirty="0"/>
+              <a:t>* Optional</a:t>
+            </a:r>
+          </a:p>
+        </p:txBody>
+      </p:sp>
+      <p:grpSp>
+        <p:nvGrpSpPr>
+          <p:cNvPr id="18" name="Grupp 17">
+            <a:extLst>
+              <a:ext uri="{FF2B5EF4-FFF2-40B4-BE49-F238E27FC236}">
+                <a16:creationId xmlns:a16="http://schemas.microsoft.com/office/drawing/2014/main" id="{938E888B-441D-8FDC-C661-65A94287F675}"/>
+              </a:ext>
+            </a:extLst>
+          </p:cNvPr>
+          <p:cNvGrpSpPr/>
+          <p:nvPr/>
+        </p:nvGrpSpPr>
+        <p:grpSpPr>
+          <a:xfrm>
+            <a:off x="5864334" y="-26149"/>
+            <a:ext cx="3535721" cy="6910297"/>
+            <a:chOff x="5864334" y="-26149"/>
+            <a:chExt cx="3535721" cy="6910297"/>
+          </a:xfrm>
+        </p:grpSpPr>
+        <p:pic>
+          <p:nvPicPr>
+            <p:cNvPr id="10" name="Bild 9">
+              <a:extLst>
+                <a:ext uri="{FF2B5EF4-FFF2-40B4-BE49-F238E27FC236}">
+                  <a16:creationId xmlns:a16="http://schemas.microsoft.com/office/drawing/2014/main" id="{88A6D789-F6AE-5E4E-87E1-9F56929B6A96}"/>
+                </a:ext>
+              </a:extLst>
+            </p:cNvPr>
+            <p:cNvPicPr>
+              <a:picLocks noChangeAspect="1"/>
+            </p:cNvPicPr>
+            <p:nvPr/>
+          </p:nvPicPr>
+          <p:blipFill>
+            <a:blip r:embed="rId2">
+              <a:extLst>
+                <a:ext uri="{96DAC541-7B7A-43D3-8B79-37D633B846F1}">
+                  <asvg:svgBlip xmlns:asvg="http://schemas.microsoft.com/office/drawing/2016/SVG/main" r:embed="rId3"/>
+                </a:ext>
+              </a:extLst>
+            </a:blip>
+            <a:srcRect t="-30" r="75584" b="16968"/>
+            <a:stretch>
+              <a:fillRect/>
+            </a:stretch>
+          </p:blipFill>
+          <p:spPr>
+            <a:xfrm>
+              <a:off x="6691670" y="-26149"/>
+              <a:ext cx="2708385" cy="6910297"/>
+            </a:xfrm>
+            <a:prstGeom prst="rect">
+              <a:avLst/>
+            </a:prstGeom>
+          </p:spPr>
+        </p:pic>
+        <p:pic>
+          <p:nvPicPr>
+            <p:cNvPr id="13" name="Bild 12" descr="Öppen mapp med hel fyllning">
+              <a:extLst>
+                <a:ext uri="{FF2B5EF4-FFF2-40B4-BE49-F238E27FC236}">
+                  <a16:creationId xmlns:a16="http://schemas.microsoft.com/office/drawing/2014/main" id="{84CF513B-73F2-A3AD-FBFF-905FA635C5B7}"/>
+                </a:ext>
+              </a:extLst>
+            </p:cNvPr>
+            <p:cNvPicPr>
+              <a:picLocks noChangeAspect="1"/>
+            </p:cNvPicPr>
+            <p:nvPr/>
+          </p:nvPicPr>
+          <p:blipFill>
+            <a:blip r:embed="rId4">
+              <a:extLst>
+                <a:ext uri="{96DAC541-7B7A-43D3-8B79-37D633B846F1}">
+                  <asvg:svgBlip xmlns:asvg="http://schemas.microsoft.com/office/drawing/2016/SVG/main" r:embed="rId5"/>
+                </a:ext>
+              </a:extLst>
+            </a:blip>
+            <a:stretch>
+              <a:fillRect/>
+            </a:stretch>
+          </p:blipFill>
+          <p:spPr>
+            <a:xfrm>
+              <a:off x="5882201" y="495300"/>
+              <a:ext cx="914400" cy="914400"/>
+            </a:xfrm>
+            <a:prstGeom prst="rect">
+              <a:avLst/>
+            </a:prstGeom>
+          </p:spPr>
+        </p:pic>
+        <p:pic>
+          <p:nvPicPr>
+            <p:cNvPr id="14" name="Bild 13" descr="Öppen mapp med hel fyllning">
+              <a:extLst>
+                <a:ext uri="{FF2B5EF4-FFF2-40B4-BE49-F238E27FC236}">
+                  <a16:creationId xmlns:a16="http://schemas.microsoft.com/office/drawing/2014/main" id="{489B546A-096B-7DBA-EF9E-65DDF780ACE5}"/>
+                </a:ext>
+              </a:extLst>
+            </p:cNvPr>
+            <p:cNvPicPr>
+              <a:picLocks noChangeAspect="1"/>
+            </p:cNvPicPr>
+            <p:nvPr/>
+          </p:nvPicPr>
+          <p:blipFill>
+            <a:blip r:embed="rId6">
+              <a:extLst>
+                <a:ext uri="{96DAC541-7B7A-43D3-8B79-37D633B846F1}">
+                  <asvg:svgBlip xmlns:asvg="http://schemas.microsoft.com/office/drawing/2016/SVG/main" r:embed="rId7"/>
+                </a:ext>
+              </a:extLst>
+            </a:blip>
+            <a:stretch>
+              <a:fillRect/>
+            </a:stretch>
+          </p:blipFill>
+          <p:spPr>
+            <a:xfrm>
+              <a:off x="5895753" y="2228147"/>
+              <a:ext cx="914400" cy="914400"/>
+            </a:xfrm>
+            <a:prstGeom prst="rect">
+              <a:avLst/>
+            </a:prstGeom>
+          </p:spPr>
+        </p:pic>
+        <p:pic>
+          <p:nvPicPr>
+            <p:cNvPr id="15" name="Bild 14" descr="Öppen mapp med hel fyllning">
+              <a:extLst>
+                <a:ext uri="{FF2B5EF4-FFF2-40B4-BE49-F238E27FC236}">
+                  <a16:creationId xmlns:a16="http://schemas.microsoft.com/office/drawing/2014/main" id="{F096DC7C-98C4-D62D-BE51-8F5F9B6B32EA}"/>
+                </a:ext>
+              </a:extLst>
+            </p:cNvPr>
+            <p:cNvPicPr>
+              <a:picLocks noChangeAspect="1"/>
+            </p:cNvPicPr>
+            <p:nvPr/>
+          </p:nvPicPr>
+          <p:blipFill>
+            <a:blip r:embed="rId8">
+              <a:extLst>
+                <a:ext uri="{96DAC541-7B7A-43D3-8B79-37D633B846F1}">
+                  <asvg:svgBlip xmlns:asvg="http://schemas.microsoft.com/office/drawing/2016/SVG/main" r:embed="rId9"/>
+                </a:ext>
+              </a:extLst>
+            </a:blip>
+            <a:stretch>
+              <a:fillRect/>
+            </a:stretch>
+          </p:blipFill>
+          <p:spPr>
+            <a:xfrm>
+              <a:off x="5864334" y="3231084"/>
+              <a:ext cx="914400" cy="914400"/>
+            </a:xfrm>
+            <a:prstGeom prst="rect">
+              <a:avLst/>
+            </a:prstGeom>
+          </p:spPr>
+        </p:pic>
+        <p:pic>
+          <p:nvPicPr>
+            <p:cNvPr id="16" name="Bild 15" descr="Öppen mapp med hel fyllning">
+              <a:extLst>
+                <a:ext uri="{FF2B5EF4-FFF2-40B4-BE49-F238E27FC236}">
+                  <a16:creationId xmlns:a16="http://schemas.microsoft.com/office/drawing/2014/main" id="{24711772-E7A9-75F2-0530-2B46D0A5D2E7}"/>
+                </a:ext>
+              </a:extLst>
+            </p:cNvPr>
+            <p:cNvPicPr>
+              <a:picLocks noChangeAspect="1"/>
+            </p:cNvPicPr>
+            <p:nvPr/>
+          </p:nvPicPr>
+          <p:blipFill>
+            <a:blip r:embed="rId10">
+              <a:extLst>
+                <a:ext uri="{96DAC541-7B7A-43D3-8B79-37D633B846F1}">
+                  <asvg:svgBlip xmlns:asvg="http://schemas.microsoft.com/office/drawing/2016/SVG/main" r:embed="rId11"/>
+                </a:ext>
+              </a:extLst>
+            </a:blip>
+            <a:stretch>
+              <a:fillRect/>
+            </a:stretch>
+          </p:blipFill>
+          <p:spPr>
+            <a:xfrm>
+              <a:off x="5864334" y="4602606"/>
+              <a:ext cx="914400" cy="914400"/>
+            </a:xfrm>
+            <a:prstGeom prst="rect">
+              <a:avLst/>
+            </a:prstGeom>
+          </p:spPr>
+        </p:pic>
+      </p:grpSp>
       <p:pic>
         <p:nvPicPr>
-          <p:cNvPr id="3" name="Imagen 2">
-            <a:extLst>
-              <a:ext uri="{FF2B5EF4-FFF2-40B4-BE49-F238E27FC236}">
-                <a16:creationId xmlns:a16="http://schemas.microsoft.com/office/drawing/2014/main" id="{EEFDFDAA-9194-4CCA-3489-B19FA3AACC27}"/>
+          <p:cNvPr id="17" name="Bild 16" descr="Öppen mapp med hel fyllning">
+            <a:extLst>
+              <a:ext uri="{FF2B5EF4-FFF2-40B4-BE49-F238E27FC236}">
+                <a16:creationId xmlns:a16="http://schemas.microsoft.com/office/drawing/2014/main" id="{D0CE73E0-ABC7-E97C-F1EF-CFFB13C8DD19}"/>
               </a:ext>
             </a:extLst>
           </p:cNvPr>
@@ -5295,73 +6244,31 @@
           <p:nvPr/>
         </p:nvPicPr>
         <p:blipFill>
-          <a:blip r:embed="rId2"/>
-          <a:srcRect r="44898"/>
+          <a:blip r:embed="rId12">
+            <a:extLst>
+              <a:ext uri="{96DAC541-7B7A-43D3-8B79-37D633B846F1}">
+                <asvg:svgBlip xmlns:asvg="http://schemas.microsoft.com/office/drawing/2016/SVG/main" r:embed="rId13"/>
+              </a:ext>
+            </a:extLst>
+          </a:blip>
           <a:stretch>
             <a:fillRect/>
           </a:stretch>
         </p:blipFill>
         <p:spPr>
           <a:xfrm>
-            <a:off x="659757" y="1898248"/>
-            <a:ext cx="4907666" cy="4740938"/>
+            <a:off x="5895753" y="5943600"/>
+            <a:ext cx="914400" cy="914400"/>
           </a:xfrm>
           <a:prstGeom prst="rect">
             <a:avLst/>
           </a:prstGeom>
         </p:spPr>
       </p:pic>
-      <p:pic>
-        <p:nvPicPr>
-          <p:cNvPr id="1026" name="Picture 2" descr="Minimum Viable Product (MVP) and Design - Balancing Risk to Gain Reward |  IxDF">
-            <a:extLst>
-              <a:ext uri="{FF2B5EF4-FFF2-40B4-BE49-F238E27FC236}">
-                <a16:creationId xmlns:a16="http://schemas.microsoft.com/office/drawing/2014/main" id="{16A8E928-3A48-7100-C90B-C32321B1DFC4}"/>
-              </a:ext>
-            </a:extLst>
-          </p:cNvPr>
-          <p:cNvPicPr>
-            <a:picLocks noChangeAspect="1" noChangeArrowheads="1"/>
-          </p:cNvPicPr>
-          <p:nvPr/>
-        </p:nvPicPr>
-        <p:blipFill rotWithShape="1">
-          <a:blip r:embed="rId3">
-            <a:extLst>
-              <a:ext uri="{28A0092B-C50C-407E-A947-70E740481C1C}">
-                <a14:useLocalDpi xmlns:a14="http://schemas.microsoft.com/office/drawing/2010/main" val="0"/>
-              </a:ext>
-            </a:extLst>
-          </a:blip>
-          <a:srcRect t="72119"/>
-          <a:stretch>
-            <a:fillRect/>
-          </a:stretch>
-        </p:blipFill>
-        <p:spPr bwMode="auto">
-          <a:xfrm>
-            <a:off x="1679655" y="218814"/>
-            <a:ext cx="8439150" cy="1513752"/>
-          </a:xfrm>
-          <a:prstGeom prst="rect">
-            <a:avLst/>
-          </a:prstGeom>
-          <a:noFill/>
-          <a:extLst>
-            <a:ext uri="{909E8E84-426E-40DD-AFC4-6F175D3DCCD1}">
-              <a14:hiddenFill xmlns:a14="http://schemas.microsoft.com/office/drawing/2010/main">
-                <a:solidFill>
-                  <a:srgbClr val="FFFFFF"/>
-                </a:solidFill>
-              </a14:hiddenFill>
-            </a:ext>
-          </a:extLst>
-        </p:spPr>
-      </p:pic>
     </p:spTree>
     <p:extLst>
       <p:ext uri="{BB962C8B-B14F-4D97-AF65-F5344CB8AC3E}">
-        <p14:creationId xmlns:p14="http://schemas.microsoft.com/office/powerpoint/2010/main" val="530273303"/>
+        <p14:creationId xmlns:p14="http://schemas.microsoft.com/office/powerpoint/2010/main" val="588997451"/>
       </p:ext>
     </p:extLst>
   </p:cSld>
